--- a/章節 4 - 網站架設/建置 LAMP 開發環境/建置 LAMP 開發環境.pptx
+++ b/章節 4 - 網站架設/建置 LAMP 開發環境/建置 LAMP 開發環境.pptx
@@ -224,7 +224,7 @@
           <a:p>
             <a:fld id="{C2159322-6C85-4127-9E81-7F8BF0D70E1A}" type="datetimeFigureOut">
               <a:rPr lang="zh-CN" altLang="en-US" smtClean="0"/>
-              <a:t>2019/4/28</a:t>
+              <a:t>2020/11/30</a:t>
             </a:fld>
             <a:endParaRPr lang="zh-CN" altLang="en-US"/>
           </a:p>
@@ -629,7 +629,7 @@
                 </a:solidFill>
               </a:rPr>
               <a:pPr/>
-              <a:t>2019/4/28</a:t>
+              <a:t>2020/11/30</a:t>
             </a:fld>
             <a:endParaRPr lang="zh-CN" altLang="en-US">
               <a:solidFill>
@@ -831,7 +831,7 @@
                 </a:solidFill>
               </a:rPr>
               <a:pPr/>
-              <a:t>2019/4/28</a:t>
+              <a:t>2020/11/30</a:t>
             </a:fld>
             <a:endParaRPr lang="zh-CN" altLang="en-US">
               <a:solidFill>
@@ -1043,7 +1043,7 @@
                 </a:solidFill>
               </a:rPr>
               <a:pPr/>
-              <a:t>2019/4/28</a:t>
+              <a:t>2020/11/30</a:t>
             </a:fld>
             <a:endParaRPr lang="zh-CN" altLang="en-US">
               <a:solidFill>
@@ -1303,7 +1303,7 @@
                 </a:solidFill>
               </a:rPr>
               <a:pPr/>
-              <a:t>2019/4/28</a:t>
+              <a:t>2020/11/30</a:t>
             </a:fld>
             <a:endParaRPr lang="zh-CN" altLang="en-US">
               <a:solidFill>
@@ -1581,7 +1581,7 @@
                 </a:solidFill>
               </a:rPr>
               <a:pPr/>
-              <a:t>2019/4/28</a:t>
+              <a:t>2020/11/30</a:t>
             </a:fld>
             <a:endParaRPr lang="zh-CN" altLang="en-US">
               <a:solidFill>
@@ -1845,7 +1845,7 @@
                 </a:solidFill>
               </a:rPr>
               <a:pPr/>
-              <a:t>2019/4/28</a:t>
+              <a:t>2020/11/30</a:t>
             </a:fld>
             <a:endParaRPr lang="zh-CN" altLang="en-US">
               <a:solidFill>
@@ -2244,7 +2244,7 @@
                 </a:solidFill>
               </a:rPr>
               <a:pPr/>
-              <a:t>2019/4/28</a:t>
+              <a:t>2020/11/30</a:t>
             </a:fld>
             <a:endParaRPr lang="zh-CN" altLang="en-US">
               <a:solidFill>
@@ -2394,7 +2394,7 @@
                 </a:solidFill>
               </a:rPr>
               <a:pPr/>
-              <a:t>2019/4/28</a:t>
+              <a:t>2020/11/30</a:t>
             </a:fld>
             <a:endParaRPr lang="zh-CN" altLang="en-US">
               <a:solidFill>
@@ -2521,7 +2521,7 @@
                 </a:solidFill>
               </a:rPr>
               <a:pPr/>
-              <a:t>2019/4/28</a:t>
+              <a:t>2020/11/30</a:t>
             </a:fld>
             <a:endParaRPr lang="zh-CN" altLang="en-US">
               <a:solidFill>
@@ -2830,7 +2830,7 @@
                 </a:solidFill>
               </a:rPr>
               <a:pPr/>
-              <a:t>2019/4/28</a:t>
+              <a:t>2020/11/30</a:t>
             </a:fld>
             <a:endParaRPr lang="zh-CN" altLang="en-US">
               <a:solidFill>
@@ -3119,7 +3119,7 @@
                 </a:solidFill>
               </a:rPr>
               <a:pPr/>
-              <a:t>2019/4/28</a:t>
+              <a:t>2020/11/30</a:t>
             </a:fld>
             <a:endParaRPr lang="zh-CN" altLang="en-US">
               <a:solidFill>
@@ -3365,7 +3365,7 @@
                 </a:solidFill>
               </a:rPr>
               <a:pPr defTabSz="685800"/>
-              <a:t>2019/4/28</a:t>
+              <a:t>2020/11/30</a:t>
             </a:fld>
             <a:endParaRPr lang="zh-CN" altLang="en-US">
               <a:solidFill>
@@ -5135,7 +5135,19 @@
             </a:r>
             <a:r>
               <a:rPr lang="en-US" altLang="zh-TW" dirty="0"/>
-              <a:t> yum -y install php71-cli php71-bcmath php71-common php71-devel php71-gd php71-intl php71-json php71-mbstring php71-mcrypt php71-mysqlnd php71-php-pecl-mysql php71-odbc php71-opcache php71-pdo php71-pecl-apcu php71-pecl-igbinary php71-pecl-memcache php71-pecl-memcached php71-pgsql php71-process php71-soap php71-xml php71-xmlrpc php71-zip</a:t>
+              <a:t> yum -y install </a:t>
+            </a:r>
+            <a:r>
+              <a:rPr lang="en-US" altLang="zh-TW" dirty="0" err="1"/>
+              <a:t>httpd</a:t>
+            </a:r>
+            <a:r>
+              <a:rPr lang="en-US" altLang="zh-TW"/>
+              <a:t> php71-cli </a:t>
+            </a:r>
+            <a:r>
+              <a:rPr lang="en-US" altLang="zh-TW" dirty="0"/>
+              <a:t>php71-bcmath php71-common php71-devel php71-gd php71-intl php71-json php71-mbstring php71-mcrypt php71-mysqlnd php71-php-pecl-mysql php71-odbc php71-opcache php71-pdo php71-pecl-apcu php71-pecl-igbinary php71-pecl-memcache php71-pecl-memcached php71-pgsql php71-process php71-soap php71-xml php71-xmlrpc php71-zip</a:t>
             </a:r>
           </a:p>
           <a:p>

--- a/章節 4 - 網站架設/建置 LAMP 開發環境/建置 LAMP 開發環境.pptx
+++ b/章節 4 - 網站架設/建置 LAMP 開發環境/建置 LAMP 開發環境.pptx
@@ -224,7 +224,7 @@
           <a:p>
             <a:fld id="{C2159322-6C85-4127-9E81-7F8BF0D70E1A}" type="datetimeFigureOut">
               <a:rPr lang="zh-CN" altLang="en-US" smtClean="0"/>
-              <a:t>2020/11/30</a:t>
+              <a:t>2021/4/14</a:t>
             </a:fld>
             <a:endParaRPr lang="zh-CN" altLang="en-US"/>
           </a:p>
@@ -629,7 +629,7 @@
                 </a:solidFill>
               </a:rPr>
               <a:pPr/>
-              <a:t>2020/11/30</a:t>
+              <a:t>2021/4/14</a:t>
             </a:fld>
             <a:endParaRPr lang="zh-CN" altLang="en-US">
               <a:solidFill>
@@ -831,7 +831,7 @@
                 </a:solidFill>
               </a:rPr>
               <a:pPr/>
-              <a:t>2020/11/30</a:t>
+              <a:t>2021/4/14</a:t>
             </a:fld>
             <a:endParaRPr lang="zh-CN" altLang="en-US">
               <a:solidFill>
@@ -1043,7 +1043,7 @@
                 </a:solidFill>
               </a:rPr>
               <a:pPr/>
-              <a:t>2020/11/30</a:t>
+              <a:t>2021/4/14</a:t>
             </a:fld>
             <a:endParaRPr lang="zh-CN" altLang="en-US">
               <a:solidFill>
@@ -1303,7 +1303,7 @@
                 </a:solidFill>
               </a:rPr>
               <a:pPr/>
-              <a:t>2020/11/30</a:t>
+              <a:t>2021/4/14</a:t>
             </a:fld>
             <a:endParaRPr lang="zh-CN" altLang="en-US">
               <a:solidFill>
@@ -1581,7 +1581,7 @@
                 </a:solidFill>
               </a:rPr>
               <a:pPr/>
-              <a:t>2020/11/30</a:t>
+              <a:t>2021/4/14</a:t>
             </a:fld>
             <a:endParaRPr lang="zh-CN" altLang="en-US">
               <a:solidFill>
@@ -1845,7 +1845,7 @@
                 </a:solidFill>
               </a:rPr>
               <a:pPr/>
-              <a:t>2020/11/30</a:t>
+              <a:t>2021/4/14</a:t>
             </a:fld>
             <a:endParaRPr lang="zh-CN" altLang="en-US">
               <a:solidFill>
@@ -2244,7 +2244,7 @@
                 </a:solidFill>
               </a:rPr>
               <a:pPr/>
-              <a:t>2020/11/30</a:t>
+              <a:t>2021/4/14</a:t>
             </a:fld>
             <a:endParaRPr lang="zh-CN" altLang="en-US">
               <a:solidFill>
@@ -2394,7 +2394,7 @@
                 </a:solidFill>
               </a:rPr>
               <a:pPr/>
-              <a:t>2020/11/30</a:t>
+              <a:t>2021/4/14</a:t>
             </a:fld>
             <a:endParaRPr lang="zh-CN" altLang="en-US">
               <a:solidFill>
@@ -2521,7 +2521,7 @@
                 </a:solidFill>
               </a:rPr>
               <a:pPr/>
-              <a:t>2020/11/30</a:t>
+              <a:t>2021/4/14</a:t>
             </a:fld>
             <a:endParaRPr lang="zh-CN" altLang="en-US">
               <a:solidFill>
@@ -2830,7 +2830,7 @@
                 </a:solidFill>
               </a:rPr>
               <a:pPr/>
-              <a:t>2020/11/30</a:t>
+              <a:t>2021/4/14</a:t>
             </a:fld>
             <a:endParaRPr lang="zh-CN" altLang="en-US">
               <a:solidFill>
@@ -3119,7 +3119,7 @@
                 </a:solidFill>
               </a:rPr>
               <a:pPr/>
-              <a:t>2020/11/30</a:t>
+              <a:t>2021/4/14</a:t>
             </a:fld>
             <a:endParaRPr lang="zh-CN" altLang="en-US">
               <a:solidFill>
@@ -3365,7 +3365,7 @@
                 </a:solidFill>
               </a:rPr>
               <a:pPr defTabSz="685800"/>
-              <a:t>2020/11/30</a:t>
+              <a:t>2021/4/14</a:t>
             </a:fld>
             <a:endParaRPr lang="zh-CN" altLang="en-US">
               <a:solidFill>
@@ -5142,13 +5142,18 @@
               <a:t>httpd</a:t>
             </a:r>
             <a:r>
-              <a:rPr lang="en-US" altLang="zh-TW"/>
-              <a:t> php71-cli </a:t>
-            </a:r>
-            <a:r>
               <a:rPr lang="en-US" altLang="zh-TW" dirty="0"/>
-              <a:t>php71-bcmath php71-common php71-devel php71-gd php71-intl php71-json php71-mbstring php71-mcrypt php71-mysqlnd php71-php-pecl-mysql php71-odbc php71-opcache php71-pdo php71-pecl-apcu php71-pecl-igbinary php71-pecl-memcache php71-pecl-memcached php71-pgsql php71-process php71-soap php71-xml php71-xmlrpc php71-zip</a:t>
-            </a:r>
+              <a:t> php71-cli php71-bcmath php71-common php71-devel php71-gd php71-intl php71-json php71-mbstring php71-mcrypt php71-mysqlnd php71-php-pecl-mysql php71-odbc php71-opcache php71-pdo php71-pecl-apcu php71-pecl-igbinary php71-pecl-memcache php71-pecl-memcached php71-pgsql php71-process php71-soap php71-xml php71-xmlrpc php71-zip</a:t>
+            </a:r>
+            <a:r>
+              <a:rPr lang="zh-TW" altLang="en-US" dirty="0"/>
+              <a:t> </a:t>
+            </a:r>
+            <a:r>
+              <a:rPr lang="en" altLang="zh-TW" dirty="0"/>
+              <a:t>--skip-broken</a:t>
+            </a:r>
+            <a:endParaRPr lang="en-US" altLang="zh-TW"/>
           </a:p>
           <a:p>
             <a:pPr marL="285750" indent="-285750">

--- a/章節 4 - 網站架設/建置 LAMP 開發環境/建置 LAMP 開發環境.pptx
+++ b/章節 4 - 網站架設/建置 LAMP 開發環境/建置 LAMP 開發環境.pptx
@@ -224,7 +224,7 @@
           <a:p>
             <a:fld id="{C2159322-6C85-4127-9E81-7F8BF0D70E1A}" type="datetimeFigureOut">
               <a:rPr lang="zh-CN" altLang="en-US" smtClean="0"/>
-              <a:t>2021/4/14</a:t>
+              <a:t>2022/3/6</a:t>
             </a:fld>
             <a:endParaRPr lang="zh-CN" altLang="en-US"/>
           </a:p>
@@ -629,7 +629,7 @@
                 </a:solidFill>
               </a:rPr>
               <a:pPr/>
-              <a:t>2021/4/14</a:t>
+              <a:t>2022/3/6</a:t>
             </a:fld>
             <a:endParaRPr lang="zh-CN" altLang="en-US">
               <a:solidFill>
@@ -831,7 +831,7 @@
                 </a:solidFill>
               </a:rPr>
               <a:pPr/>
-              <a:t>2021/4/14</a:t>
+              <a:t>2022/3/6</a:t>
             </a:fld>
             <a:endParaRPr lang="zh-CN" altLang="en-US">
               <a:solidFill>
@@ -1043,7 +1043,7 @@
                 </a:solidFill>
               </a:rPr>
               <a:pPr/>
-              <a:t>2021/4/14</a:t>
+              <a:t>2022/3/6</a:t>
             </a:fld>
             <a:endParaRPr lang="zh-CN" altLang="en-US">
               <a:solidFill>
@@ -1303,7 +1303,7 @@
                 </a:solidFill>
               </a:rPr>
               <a:pPr/>
-              <a:t>2021/4/14</a:t>
+              <a:t>2022/3/6</a:t>
             </a:fld>
             <a:endParaRPr lang="zh-CN" altLang="en-US">
               <a:solidFill>
@@ -1581,7 +1581,7 @@
                 </a:solidFill>
               </a:rPr>
               <a:pPr/>
-              <a:t>2021/4/14</a:t>
+              <a:t>2022/3/6</a:t>
             </a:fld>
             <a:endParaRPr lang="zh-CN" altLang="en-US">
               <a:solidFill>
@@ -1845,7 +1845,7 @@
                 </a:solidFill>
               </a:rPr>
               <a:pPr/>
-              <a:t>2021/4/14</a:t>
+              <a:t>2022/3/6</a:t>
             </a:fld>
             <a:endParaRPr lang="zh-CN" altLang="en-US">
               <a:solidFill>
@@ -2244,7 +2244,7 @@
                 </a:solidFill>
               </a:rPr>
               <a:pPr/>
-              <a:t>2021/4/14</a:t>
+              <a:t>2022/3/6</a:t>
             </a:fld>
             <a:endParaRPr lang="zh-CN" altLang="en-US">
               <a:solidFill>
@@ -2394,7 +2394,7 @@
                 </a:solidFill>
               </a:rPr>
               <a:pPr/>
-              <a:t>2021/4/14</a:t>
+              <a:t>2022/3/6</a:t>
             </a:fld>
             <a:endParaRPr lang="zh-CN" altLang="en-US">
               <a:solidFill>
@@ -2521,7 +2521,7 @@
                 </a:solidFill>
               </a:rPr>
               <a:pPr/>
-              <a:t>2021/4/14</a:t>
+              <a:t>2022/3/6</a:t>
             </a:fld>
             <a:endParaRPr lang="zh-CN" altLang="en-US">
               <a:solidFill>
@@ -2830,7 +2830,7 @@
                 </a:solidFill>
               </a:rPr>
               <a:pPr/>
-              <a:t>2021/4/14</a:t>
+              <a:t>2022/3/6</a:t>
             </a:fld>
             <a:endParaRPr lang="zh-CN" altLang="en-US">
               <a:solidFill>
@@ -3119,7 +3119,7 @@
                 </a:solidFill>
               </a:rPr>
               <a:pPr/>
-              <a:t>2021/4/14</a:t>
+              <a:t>2022/3/6</a:t>
             </a:fld>
             <a:endParaRPr lang="zh-CN" altLang="en-US">
               <a:solidFill>
@@ -3365,7 +3365,7 @@
                 </a:solidFill>
               </a:rPr>
               <a:pPr defTabSz="685800"/>
-              <a:t>2021/4/14</a:t>
+              <a:t>2022/3/6</a:t>
             </a:fld>
             <a:endParaRPr lang="zh-CN" altLang="en-US">
               <a:solidFill>
@@ -5153,7 +5153,7 @@
               <a:rPr lang="en" altLang="zh-TW" dirty="0"/>
               <a:t>--skip-broken</a:t>
             </a:r>
-            <a:endParaRPr lang="en-US" altLang="zh-TW"/>
+            <a:endParaRPr lang="en-US" altLang="zh-TW" dirty="0"/>
           </a:p>
           <a:p>
             <a:pPr marL="285750" indent="-285750">
@@ -5615,7 +5615,7 @@
         <p:spPr>
           <a:xfrm>
             <a:off x="790569" y="1467385"/>
-            <a:ext cx="7562851" cy="2585323"/>
+            <a:ext cx="7562851" cy="3139321"/>
           </a:xfrm>
           <a:prstGeom prst="rect">
             <a:avLst/>
@@ -5800,6 +5800,33 @@
               <a:rPr lang="en" altLang="zh-TW" dirty="0"/>
               <a:t> </a:t>
             </a:r>
+          </a:p>
+          <a:p>
+            <a:pPr marL="800100" lvl="1" indent="-342900">
+              <a:buFont typeface="+mj-lt"/>
+              <a:buAutoNum type="arabicPeriod"/>
+            </a:pPr>
+            <a:r>
+              <a:rPr lang="en-US" altLang="zh-TW" dirty="0" err="1"/>
+              <a:t>sudo</a:t>
+            </a:r>
+            <a:r>
+              <a:rPr lang="en-US" altLang="zh-TW" dirty="0"/>
+              <a:t> rpm --import </a:t>
+            </a:r>
+            <a:r>
+              <a:rPr lang="en-US" altLang="zh-TW" dirty="0">
+                <a:hlinkClick r:id="rId3"/>
+              </a:rPr>
+              <a:t>https://repo.mysql.com/RPM-GPG-KEY-mysql-2022</a:t>
+            </a:r>
+            <a:endParaRPr lang="en-US" altLang="zh-TW" dirty="0"/>
+          </a:p>
+          <a:p>
+            <a:pPr marL="800100" lvl="1" indent="-342900">
+              <a:buFont typeface="+mj-lt"/>
+              <a:buAutoNum type="arabicPeriod"/>
+            </a:pPr>
             <a:r>
               <a:rPr lang="en-US" altLang="zh-TW" dirty="0" err="1"/>
               <a:t>sudo</a:t>
